--- a/Mean Reversion Commodities Project.pptx
+++ b/Mean Reversion Commodities Project.pptx
@@ -107,6 +107,11 @@
       </a:defRPr>
     </a:lvl9pPr>
   </p:defaultTextStyle>
+  <p:extLst>
+    <p:ext uri="{EFAFB233-063F-42B5-8137-9DF3F51BA10A}">
+      <p15:sldGuideLst xmlns:p15="http://schemas.microsoft.com/office/powerpoint/2012/main"/>
+    </p:ext>
+  </p:extLst>
 </p:presentation>
 </file>
 
@@ -3522,7 +3527,7 @@
             <a:pPr algn="ctr"/>
             <a:r>
               <a:rPr lang="fr-FR" dirty="0"/>
-              <a:t>Rationnel d’investissement</a:t>
+              <a:t>Univers d’investissement</a:t>
             </a:r>
           </a:p>
         </p:txBody>
@@ -3810,37 +3815,72 @@
           <a:p>
             <a:pPr algn="ctr"/>
             <a:r>
-              <a:rPr lang="fr-FR" dirty="0"/>
+              <a:rPr lang="fr-FR"/>
               <a:t>Track avec indicateurs</a:t>
             </a:r>
-          </a:p>
-        </p:txBody>
-      </p:sp>
-      <p:sp>
-        <p:nvSpPr>
-          <p:cNvPr id="3" name="Content Placeholder 2">
-            <a:extLst>
-              <a:ext uri="{FF2B5EF4-FFF2-40B4-BE49-F238E27FC236}">
-                <a16:creationId xmlns:a16="http://schemas.microsoft.com/office/drawing/2014/main" id="{260B9778-185B-DA04-B933-A779F7FE896F}"/>
-              </a:ext>
-            </a:extLst>
-          </p:cNvPr>
-          <p:cNvSpPr>
-            <a:spLocks noGrp="1"/>
-          </p:cNvSpPr>
+            <a:endParaRPr lang="fr-FR" dirty="0"/>
+          </a:p>
+        </p:txBody>
+      </p:sp>
+      <p:pic>
+        <p:nvPicPr>
+          <p:cNvPr id="5" name="Content Placeholder 4">
+            <a:extLst>
+              <a:ext uri="{FF2B5EF4-FFF2-40B4-BE49-F238E27FC236}">
+                <a16:creationId xmlns:a16="http://schemas.microsoft.com/office/drawing/2014/main" id="{360C8E6B-E201-D52C-4385-128C56430C39}"/>
+              </a:ext>
+            </a:extLst>
+          </p:cNvPr>
+          <p:cNvPicPr>
+            <a:picLocks noGrp="1" noChangeAspect="1"/>
+          </p:cNvPicPr>
           <p:nvPr>
             <p:ph idx="1"/>
           </p:nvPr>
-        </p:nvSpPr>
-        <p:spPr/>
-        <p:txBody>
-          <a:bodyPr/>
-          <a:lstStyle/>
-          <a:p>
-            <a:endParaRPr lang="fr-FR"/>
-          </a:p>
-        </p:txBody>
-      </p:sp>
+        </p:nvPicPr>
+        <p:blipFill>
+          <a:blip r:embed="rId2"/>
+          <a:stretch>
+            <a:fillRect/>
+          </a:stretch>
+        </p:blipFill>
+        <p:spPr>
+          <a:xfrm>
+            <a:off x="477002" y="1578543"/>
+            <a:ext cx="7299753" cy="4552700"/>
+          </a:xfrm>
+        </p:spPr>
+      </p:pic>
+      <p:pic>
+        <p:nvPicPr>
+          <p:cNvPr id="9" name="Picture 8">
+            <a:extLst>
+              <a:ext uri="{FF2B5EF4-FFF2-40B4-BE49-F238E27FC236}">
+                <a16:creationId xmlns:a16="http://schemas.microsoft.com/office/drawing/2014/main" id="{246AD349-9859-BCEE-BE57-3193902EF40B}"/>
+              </a:ext>
+            </a:extLst>
+          </p:cNvPr>
+          <p:cNvPicPr>
+            <a:picLocks noChangeAspect="1"/>
+          </p:cNvPicPr>
+          <p:nvPr/>
+        </p:nvPicPr>
+        <p:blipFill>
+          <a:blip r:embed="rId3"/>
+          <a:stretch>
+            <a:fillRect/>
+          </a:stretch>
+        </p:blipFill>
+        <p:spPr>
+          <a:xfrm>
+            <a:off x="7776755" y="2833631"/>
+            <a:ext cx="4290327" cy="2042524"/>
+          </a:xfrm>
+          <a:prstGeom prst="rect">
+            <a:avLst/>
+          </a:prstGeom>
+        </p:spPr>
+      </p:pic>
     </p:spTree>
     <p:extLst>
       <p:ext uri="{BB962C8B-B14F-4D97-AF65-F5344CB8AC3E}">
@@ -3895,36 +3935,40 @@
             <a:pPr algn="ctr"/>
             <a:r>
               <a:rPr lang="fr-FR" dirty="0"/>
-              <a:t>Outputs de Performance</a:t>
-            </a:r>
-          </a:p>
-        </p:txBody>
-      </p:sp>
-      <p:sp>
-        <p:nvSpPr>
-          <p:cNvPr id="3" name="Content Placeholder 2">
-            <a:extLst>
-              <a:ext uri="{FF2B5EF4-FFF2-40B4-BE49-F238E27FC236}">
-                <a16:creationId xmlns:a16="http://schemas.microsoft.com/office/drawing/2014/main" id="{E8E926AB-A09F-F6B8-00ED-E0763F0DAAF3}"/>
-              </a:ext>
-            </a:extLst>
-          </p:cNvPr>
-          <p:cNvSpPr>
-            <a:spLocks noGrp="1"/>
-          </p:cNvSpPr>
+              <a:t>Allocation Du Portefeuille (long =rouge, short=bleu)</a:t>
+            </a:r>
+          </a:p>
+        </p:txBody>
+      </p:sp>
+      <p:pic>
+        <p:nvPicPr>
+          <p:cNvPr id="5" name="Content Placeholder 4">
+            <a:extLst>
+              <a:ext uri="{FF2B5EF4-FFF2-40B4-BE49-F238E27FC236}">
+                <a16:creationId xmlns:a16="http://schemas.microsoft.com/office/drawing/2014/main" id="{F431BCE8-55A4-A6F5-91CD-321EA1407E89}"/>
+              </a:ext>
+            </a:extLst>
+          </p:cNvPr>
+          <p:cNvPicPr>
+            <a:picLocks noGrp="1" noChangeAspect="1"/>
+          </p:cNvPicPr>
           <p:nvPr>
             <p:ph idx="1"/>
           </p:nvPr>
-        </p:nvSpPr>
-        <p:spPr/>
-        <p:txBody>
-          <a:bodyPr/>
-          <a:lstStyle/>
-          <a:p>
-            <a:endParaRPr lang="fr-FR" dirty="0"/>
-          </a:p>
-        </p:txBody>
-      </p:sp>
+        </p:nvPicPr>
+        <p:blipFill>
+          <a:blip r:embed="rId2"/>
+          <a:stretch>
+            <a:fillRect/>
+          </a:stretch>
+        </p:blipFill>
+        <p:spPr>
+          <a:xfrm>
+            <a:off x="2270678" y="1825625"/>
+            <a:ext cx="7650643" cy="4351338"/>
+          </a:xfrm>
+        </p:spPr>
+      </p:pic>
     </p:spTree>
     <p:extLst>
       <p:ext uri="{BB962C8B-B14F-4D97-AF65-F5344CB8AC3E}">
